--- a/기업업무 과제/기업업무 2강 과제(css) 남정현.pptx
+++ b/기업업무 과제/기업업무 2강 과제(css) 남정현.pptx
@@ -36,6 +36,13 @@
     <p:sldId id="284" r:id="rId30"/>
     <p:sldId id="285" r:id="rId31"/>
     <p:sldId id="286" r:id="rId32"/>
+    <p:sldId id="287" r:id="rId33"/>
+    <p:sldId id="288" r:id="rId34"/>
+    <p:sldId id="289" r:id="rId35"/>
+    <p:sldId id="290" r:id="rId36"/>
+    <p:sldId id="291" r:id="rId37"/>
+    <p:sldId id="292" r:id="rId38"/>
+    <p:sldId id="293" r:id="rId39"/>
   </p:sldIdLst>
   <p:sldSz cx="12192000" cy="6858000"/>
   <p:notesSz cx="6858000" cy="9144000"/>
@@ -436,7 +443,7 @@
             <a:fld id="{87DE6118-2437-4B30-8E3C-4D2BE6020583}" type="datetimeFigureOut">
               <a:rPr lang="en-US" dirty="0"/>
               <a:pPr/>
-              <a:t>5/15/2023</a:t>
+              <a:t>5/16/2023</a:t>
             </a:fld>
             <a:endParaRPr lang="en-US" dirty="0"/>
           </a:p>
@@ -762,7 +769,7 @@
           <a:p>
             <a:fld id="{87DE6118-2437-4B30-8E3C-4D2BE6020583}" type="datetimeFigureOut">
               <a:rPr lang="en-US" dirty="0"/>
-              <a:t>5/15/2023</a:t>
+              <a:t>5/16/2023</a:t>
             </a:fld>
             <a:endParaRPr lang="en-US" dirty="0"/>
           </a:p>
@@ -937,7 +944,7 @@
           <a:p>
             <a:fld id="{87DE6118-2437-4B30-8E3C-4D2BE6020583}" type="datetimeFigureOut">
               <a:rPr lang="en-US" dirty="0"/>
-              <a:t>5/15/2023</a:t>
+              <a:t>5/16/2023</a:t>
             </a:fld>
             <a:endParaRPr lang="en-US" dirty="0"/>
           </a:p>
@@ -1102,7 +1109,7 @@
           <a:p>
             <a:fld id="{87DE6118-2437-4B30-8E3C-4D2BE6020583}" type="datetimeFigureOut">
               <a:rPr lang="en-US" dirty="0"/>
-              <a:t>5/15/2023</a:t>
+              <a:t>5/16/2023</a:t>
             </a:fld>
             <a:endParaRPr lang="en-US" dirty="0"/>
           </a:p>
@@ -1375,7 +1382,7 @@
             <a:fld id="{87DE6118-2437-4B30-8E3C-4D2BE6020583}" type="datetimeFigureOut">
               <a:rPr lang="en-US" dirty="0"/>
               <a:pPr/>
-              <a:t>5/15/2023</a:t>
+              <a:t>5/16/2023</a:t>
             </a:fld>
             <a:endParaRPr lang="en-US" dirty="0"/>
           </a:p>
@@ -1765,7 +1772,7 @@
           <a:p>
             <a:fld id="{87DE6118-2437-4B30-8E3C-4D2BE6020583}" type="datetimeFigureOut">
               <a:rPr lang="en-US" dirty="0"/>
-              <a:t>5/15/2023</a:t>
+              <a:t>5/16/2023</a:t>
             </a:fld>
             <a:endParaRPr lang="en-US" dirty="0"/>
           </a:p>
@@ -2237,7 +2244,7 @@
           <a:p>
             <a:fld id="{87DE6118-2437-4B30-8E3C-4D2BE6020583}" type="datetimeFigureOut">
               <a:rPr lang="en-US" dirty="0"/>
-              <a:t>5/15/2023</a:t>
+              <a:t>5/16/2023</a:t>
             </a:fld>
             <a:endParaRPr lang="en-US" dirty="0"/>
           </a:p>
@@ -2350,7 +2357,7 @@
           <a:p>
             <a:fld id="{87DE6118-2437-4B30-8E3C-4D2BE6020583}" type="datetimeFigureOut">
               <a:rPr lang="en-US" dirty="0"/>
-              <a:t>5/15/2023</a:t>
+              <a:t>5/16/2023</a:t>
             </a:fld>
             <a:endParaRPr lang="en-US" dirty="0"/>
           </a:p>
@@ -2440,7 +2447,7 @@
           <a:p>
             <a:fld id="{87DE6118-2437-4B30-8E3C-4D2BE6020583}" type="datetimeFigureOut">
               <a:rPr lang="en-US" dirty="0"/>
-              <a:t>5/15/2023</a:t>
+              <a:t>5/16/2023</a:t>
             </a:fld>
             <a:endParaRPr lang="en-US" dirty="0"/>
           </a:p>
@@ -2782,7 +2789,7 @@
             <a:fld id="{87DE6118-2437-4B30-8E3C-4D2BE6020583}" type="datetimeFigureOut">
               <a:rPr lang="en-US" dirty="0"/>
               <a:pPr/>
-              <a:t>5/15/2023</a:t>
+              <a:t>5/16/2023</a:t>
             </a:fld>
             <a:endParaRPr lang="en-US" dirty="0"/>
           </a:p>
@@ -3167,7 +3174,7 @@
             <a:fld id="{87DE6118-2437-4B30-8E3C-4D2BE6020583}" type="datetimeFigureOut">
               <a:rPr lang="en-US" dirty="0"/>
               <a:pPr/>
-              <a:t>5/15/2023</a:t>
+              <a:t>5/16/2023</a:t>
             </a:fld>
             <a:endParaRPr lang="en-US" dirty="0"/>
           </a:p>
@@ -3442,7 +3449,7 @@
             <a:fld id="{87DE6118-2437-4B30-8E3C-4D2BE6020583}" type="datetimeFigureOut">
               <a:rPr lang="en-US" dirty="0"/>
               <a:pPr/>
-              <a:t>5/15/2023</a:t>
+              <a:t>5/16/2023</a:t>
             </a:fld>
             <a:endParaRPr lang="en-US" dirty="0"/>
           </a:p>
@@ -6553,6 +6560,426 @@
 </p:sld>
 </file>
 
+<file path=ppt/slides/slide32.xml><?xml version="1.0" encoding="utf-8"?>
+<p:sld xmlns:a="http://schemas.openxmlformats.org/drawingml/2006/main" xmlns:r="http://schemas.openxmlformats.org/officeDocument/2006/relationships" xmlns:p="http://schemas.openxmlformats.org/presentationml/2006/main">
+  <p:cSld>
+    <p:spTree>
+      <p:nvGrpSpPr>
+        <p:cNvPr id="1" name=""/>
+        <p:cNvGrpSpPr/>
+        <p:nvPr/>
+      </p:nvGrpSpPr>
+      <p:grpSpPr>
+        <a:xfrm>
+          <a:off x="0" y="0"/>
+          <a:ext cx="0" cy="0"/>
+          <a:chOff x="0" y="0"/>
+          <a:chExt cx="0" cy="0"/>
+        </a:xfrm>
+      </p:grpSpPr>
+      <p:sp>
+        <p:nvSpPr>
+          <p:cNvPr id="2" name="제목 1"/>
+          <p:cNvSpPr>
+            <a:spLocks noGrp="1"/>
+          </p:cNvSpPr>
+          <p:nvPr>
+            <p:ph type="title"/>
+          </p:nvPr>
+        </p:nvSpPr>
+        <p:spPr>
+          <a:xfrm>
+            <a:off x="721895" y="0"/>
+            <a:ext cx="9601200" cy="453189"/>
+          </a:xfrm>
+        </p:spPr>
+        <p:txBody>
+          <a:bodyPr>
+            <a:normAutofit/>
+          </a:bodyPr>
+          <a:lstStyle/>
+          <a:p>
+            <a:r>
+              <a:rPr lang="ko-KR" altLang="en-US" sz="1600"/>
+              <a:t>정리하기</a:t>
+            </a:r>
+            <a:endParaRPr lang="ko-KR" altLang="en-US" sz="1600" dirty="0"/>
+          </a:p>
+        </p:txBody>
+      </p:sp>
+    </p:spTree>
+    <p:extLst>
+      <p:ext uri="{BB962C8B-B14F-4D97-AF65-F5344CB8AC3E}">
+        <p14:creationId xmlns:p14="http://schemas.microsoft.com/office/powerpoint/2010/main" val="3595092274"/>
+      </p:ext>
+    </p:extLst>
+  </p:cSld>
+  <p:clrMapOvr>
+    <a:masterClrMapping/>
+  </p:clrMapOvr>
+</p:sld>
+</file>
+
+<file path=ppt/slides/slide33.xml><?xml version="1.0" encoding="utf-8"?>
+<p:sld xmlns:a="http://schemas.openxmlformats.org/drawingml/2006/main" xmlns:r="http://schemas.openxmlformats.org/officeDocument/2006/relationships" xmlns:p="http://schemas.openxmlformats.org/presentationml/2006/main">
+  <p:cSld>
+    <p:spTree>
+      <p:nvGrpSpPr>
+        <p:cNvPr id="1" name=""/>
+        <p:cNvGrpSpPr/>
+        <p:nvPr/>
+      </p:nvGrpSpPr>
+      <p:grpSpPr>
+        <a:xfrm>
+          <a:off x="0" y="0"/>
+          <a:ext cx="0" cy="0"/>
+          <a:chOff x="0" y="0"/>
+          <a:chExt cx="0" cy="0"/>
+        </a:xfrm>
+      </p:grpSpPr>
+      <p:sp>
+        <p:nvSpPr>
+          <p:cNvPr id="2" name="제목 1"/>
+          <p:cNvSpPr>
+            <a:spLocks noGrp="1"/>
+          </p:cNvSpPr>
+          <p:nvPr>
+            <p:ph type="title"/>
+          </p:nvPr>
+        </p:nvSpPr>
+        <p:spPr>
+          <a:xfrm>
+            <a:off x="721895" y="0"/>
+            <a:ext cx="9601200" cy="453189"/>
+          </a:xfrm>
+        </p:spPr>
+        <p:txBody>
+          <a:bodyPr>
+            <a:normAutofit/>
+          </a:bodyPr>
+          <a:lstStyle/>
+          <a:p>
+            <a:r>
+              <a:rPr lang="ko-KR" altLang="en-US" sz="1600"/>
+              <a:t>정리하기</a:t>
+            </a:r>
+            <a:endParaRPr lang="ko-KR" altLang="en-US" sz="1600" dirty="0"/>
+          </a:p>
+        </p:txBody>
+      </p:sp>
+    </p:spTree>
+    <p:extLst>
+      <p:ext uri="{BB962C8B-B14F-4D97-AF65-F5344CB8AC3E}">
+        <p14:creationId xmlns:p14="http://schemas.microsoft.com/office/powerpoint/2010/main" val="3363316115"/>
+      </p:ext>
+    </p:extLst>
+  </p:cSld>
+  <p:clrMapOvr>
+    <a:masterClrMapping/>
+  </p:clrMapOvr>
+</p:sld>
+</file>
+
+<file path=ppt/slides/slide34.xml><?xml version="1.0" encoding="utf-8"?>
+<p:sld xmlns:a="http://schemas.openxmlformats.org/drawingml/2006/main" xmlns:r="http://schemas.openxmlformats.org/officeDocument/2006/relationships" xmlns:p="http://schemas.openxmlformats.org/presentationml/2006/main">
+  <p:cSld>
+    <p:spTree>
+      <p:nvGrpSpPr>
+        <p:cNvPr id="1" name=""/>
+        <p:cNvGrpSpPr/>
+        <p:nvPr/>
+      </p:nvGrpSpPr>
+      <p:grpSpPr>
+        <a:xfrm>
+          <a:off x="0" y="0"/>
+          <a:ext cx="0" cy="0"/>
+          <a:chOff x="0" y="0"/>
+          <a:chExt cx="0" cy="0"/>
+        </a:xfrm>
+      </p:grpSpPr>
+      <p:sp>
+        <p:nvSpPr>
+          <p:cNvPr id="2" name="제목 1"/>
+          <p:cNvSpPr>
+            <a:spLocks noGrp="1"/>
+          </p:cNvSpPr>
+          <p:nvPr>
+            <p:ph type="title"/>
+          </p:nvPr>
+        </p:nvSpPr>
+        <p:spPr>
+          <a:xfrm>
+            <a:off x="721895" y="0"/>
+            <a:ext cx="9601200" cy="453189"/>
+          </a:xfrm>
+        </p:spPr>
+        <p:txBody>
+          <a:bodyPr>
+            <a:normAutofit/>
+          </a:bodyPr>
+          <a:lstStyle/>
+          <a:p>
+            <a:r>
+              <a:rPr lang="ko-KR" altLang="en-US" sz="1600"/>
+              <a:t>정리하기</a:t>
+            </a:r>
+            <a:endParaRPr lang="ko-KR" altLang="en-US" sz="1600" dirty="0"/>
+          </a:p>
+        </p:txBody>
+      </p:sp>
+    </p:spTree>
+    <p:extLst>
+      <p:ext uri="{BB962C8B-B14F-4D97-AF65-F5344CB8AC3E}">
+        <p14:creationId xmlns:p14="http://schemas.microsoft.com/office/powerpoint/2010/main" val="2261242768"/>
+      </p:ext>
+    </p:extLst>
+  </p:cSld>
+  <p:clrMapOvr>
+    <a:masterClrMapping/>
+  </p:clrMapOvr>
+</p:sld>
+</file>
+
+<file path=ppt/slides/slide35.xml><?xml version="1.0" encoding="utf-8"?>
+<p:sld xmlns:a="http://schemas.openxmlformats.org/drawingml/2006/main" xmlns:r="http://schemas.openxmlformats.org/officeDocument/2006/relationships" xmlns:p="http://schemas.openxmlformats.org/presentationml/2006/main">
+  <p:cSld>
+    <p:spTree>
+      <p:nvGrpSpPr>
+        <p:cNvPr id="1" name=""/>
+        <p:cNvGrpSpPr/>
+        <p:nvPr/>
+      </p:nvGrpSpPr>
+      <p:grpSpPr>
+        <a:xfrm>
+          <a:off x="0" y="0"/>
+          <a:ext cx="0" cy="0"/>
+          <a:chOff x="0" y="0"/>
+          <a:chExt cx="0" cy="0"/>
+        </a:xfrm>
+      </p:grpSpPr>
+      <p:sp>
+        <p:nvSpPr>
+          <p:cNvPr id="2" name="제목 1"/>
+          <p:cNvSpPr>
+            <a:spLocks noGrp="1"/>
+          </p:cNvSpPr>
+          <p:nvPr>
+            <p:ph type="title"/>
+          </p:nvPr>
+        </p:nvSpPr>
+        <p:spPr>
+          <a:xfrm>
+            <a:off x="721895" y="0"/>
+            <a:ext cx="9601200" cy="453189"/>
+          </a:xfrm>
+        </p:spPr>
+        <p:txBody>
+          <a:bodyPr>
+            <a:normAutofit/>
+          </a:bodyPr>
+          <a:lstStyle/>
+          <a:p>
+            <a:r>
+              <a:rPr lang="ko-KR" altLang="en-US" sz="1600"/>
+              <a:t>정리하기</a:t>
+            </a:r>
+            <a:endParaRPr lang="ko-KR" altLang="en-US" sz="1600" dirty="0"/>
+          </a:p>
+        </p:txBody>
+      </p:sp>
+    </p:spTree>
+    <p:extLst>
+      <p:ext uri="{BB962C8B-B14F-4D97-AF65-F5344CB8AC3E}">
+        <p14:creationId xmlns:p14="http://schemas.microsoft.com/office/powerpoint/2010/main" val="480481741"/>
+      </p:ext>
+    </p:extLst>
+  </p:cSld>
+  <p:clrMapOvr>
+    <a:masterClrMapping/>
+  </p:clrMapOvr>
+</p:sld>
+</file>
+
+<file path=ppt/slides/slide36.xml><?xml version="1.0" encoding="utf-8"?>
+<p:sld xmlns:a="http://schemas.openxmlformats.org/drawingml/2006/main" xmlns:r="http://schemas.openxmlformats.org/officeDocument/2006/relationships" xmlns:p="http://schemas.openxmlformats.org/presentationml/2006/main">
+  <p:cSld>
+    <p:spTree>
+      <p:nvGrpSpPr>
+        <p:cNvPr id="1" name=""/>
+        <p:cNvGrpSpPr/>
+        <p:nvPr/>
+      </p:nvGrpSpPr>
+      <p:grpSpPr>
+        <a:xfrm>
+          <a:off x="0" y="0"/>
+          <a:ext cx="0" cy="0"/>
+          <a:chOff x="0" y="0"/>
+          <a:chExt cx="0" cy="0"/>
+        </a:xfrm>
+      </p:grpSpPr>
+      <p:sp>
+        <p:nvSpPr>
+          <p:cNvPr id="2" name="제목 1"/>
+          <p:cNvSpPr>
+            <a:spLocks noGrp="1"/>
+          </p:cNvSpPr>
+          <p:nvPr>
+            <p:ph type="title"/>
+          </p:nvPr>
+        </p:nvSpPr>
+        <p:spPr>
+          <a:xfrm>
+            <a:off x="721895" y="0"/>
+            <a:ext cx="9601200" cy="453189"/>
+          </a:xfrm>
+        </p:spPr>
+        <p:txBody>
+          <a:bodyPr>
+            <a:normAutofit/>
+          </a:bodyPr>
+          <a:lstStyle/>
+          <a:p>
+            <a:r>
+              <a:rPr lang="ko-KR" altLang="en-US" sz="1600"/>
+              <a:t>정리하기</a:t>
+            </a:r>
+            <a:endParaRPr lang="ko-KR" altLang="en-US" sz="1600" dirty="0"/>
+          </a:p>
+        </p:txBody>
+      </p:sp>
+    </p:spTree>
+    <p:extLst>
+      <p:ext uri="{BB962C8B-B14F-4D97-AF65-F5344CB8AC3E}">
+        <p14:creationId xmlns:p14="http://schemas.microsoft.com/office/powerpoint/2010/main" val="1966512459"/>
+      </p:ext>
+    </p:extLst>
+  </p:cSld>
+  <p:clrMapOvr>
+    <a:masterClrMapping/>
+  </p:clrMapOvr>
+</p:sld>
+</file>
+
+<file path=ppt/slides/slide37.xml><?xml version="1.0" encoding="utf-8"?>
+<p:sld xmlns:a="http://schemas.openxmlformats.org/drawingml/2006/main" xmlns:r="http://schemas.openxmlformats.org/officeDocument/2006/relationships" xmlns:p="http://schemas.openxmlformats.org/presentationml/2006/main">
+  <p:cSld>
+    <p:spTree>
+      <p:nvGrpSpPr>
+        <p:cNvPr id="1" name=""/>
+        <p:cNvGrpSpPr/>
+        <p:nvPr/>
+      </p:nvGrpSpPr>
+      <p:grpSpPr>
+        <a:xfrm>
+          <a:off x="0" y="0"/>
+          <a:ext cx="0" cy="0"/>
+          <a:chOff x="0" y="0"/>
+          <a:chExt cx="0" cy="0"/>
+        </a:xfrm>
+      </p:grpSpPr>
+      <p:sp>
+        <p:nvSpPr>
+          <p:cNvPr id="2" name="제목 1"/>
+          <p:cNvSpPr>
+            <a:spLocks noGrp="1"/>
+          </p:cNvSpPr>
+          <p:nvPr>
+            <p:ph type="title"/>
+          </p:nvPr>
+        </p:nvSpPr>
+        <p:spPr>
+          <a:xfrm>
+            <a:off x="721895" y="0"/>
+            <a:ext cx="9601200" cy="453189"/>
+          </a:xfrm>
+        </p:spPr>
+        <p:txBody>
+          <a:bodyPr>
+            <a:normAutofit/>
+          </a:bodyPr>
+          <a:lstStyle/>
+          <a:p>
+            <a:r>
+              <a:rPr lang="ko-KR" altLang="en-US" sz="1600"/>
+              <a:t>정리하기</a:t>
+            </a:r>
+            <a:endParaRPr lang="ko-KR" altLang="en-US" sz="1600" dirty="0"/>
+          </a:p>
+        </p:txBody>
+      </p:sp>
+    </p:spTree>
+    <p:extLst>
+      <p:ext uri="{BB962C8B-B14F-4D97-AF65-F5344CB8AC3E}">
+        <p14:creationId xmlns:p14="http://schemas.microsoft.com/office/powerpoint/2010/main" val="3459381991"/>
+      </p:ext>
+    </p:extLst>
+  </p:cSld>
+  <p:clrMapOvr>
+    <a:masterClrMapping/>
+  </p:clrMapOvr>
+</p:sld>
+</file>
+
+<file path=ppt/slides/slide38.xml><?xml version="1.0" encoding="utf-8"?>
+<p:sld xmlns:a="http://schemas.openxmlformats.org/drawingml/2006/main" xmlns:r="http://schemas.openxmlformats.org/officeDocument/2006/relationships" xmlns:p="http://schemas.openxmlformats.org/presentationml/2006/main">
+  <p:cSld>
+    <p:spTree>
+      <p:nvGrpSpPr>
+        <p:cNvPr id="1" name=""/>
+        <p:cNvGrpSpPr/>
+        <p:nvPr/>
+      </p:nvGrpSpPr>
+      <p:grpSpPr>
+        <a:xfrm>
+          <a:off x="0" y="0"/>
+          <a:ext cx="0" cy="0"/>
+          <a:chOff x="0" y="0"/>
+          <a:chExt cx="0" cy="0"/>
+        </a:xfrm>
+      </p:grpSpPr>
+      <p:sp>
+        <p:nvSpPr>
+          <p:cNvPr id="2" name="제목 1"/>
+          <p:cNvSpPr>
+            <a:spLocks noGrp="1"/>
+          </p:cNvSpPr>
+          <p:nvPr>
+            <p:ph type="title"/>
+          </p:nvPr>
+        </p:nvSpPr>
+        <p:spPr>
+          <a:xfrm>
+            <a:off x="721895" y="0"/>
+            <a:ext cx="9601200" cy="453189"/>
+          </a:xfrm>
+        </p:spPr>
+        <p:txBody>
+          <a:bodyPr>
+            <a:normAutofit/>
+          </a:bodyPr>
+          <a:lstStyle/>
+          <a:p>
+            <a:r>
+              <a:rPr lang="ko-KR" altLang="en-US" sz="1600"/>
+              <a:t>정리하기</a:t>
+            </a:r>
+            <a:endParaRPr lang="ko-KR" altLang="en-US" sz="1600" dirty="0"/>
+          </a:p>
+        </p:txBody>
+      </p:sp>
+    </p:spTree>
+    <p:extLst>
+      <p:ext uri="{BB962C8B-B14F-4D97-AF65-F5344CB8AC3E}">
+        <p14:creationId xmlns:p14="http://schemas.microsoft.com/office/powerpoint/2010/main" val="1911358359"/>
+      </p:ext>
+    </p:extLst>
+  </p:cSld>
+  <p:clrMapOvr>
+    <a:masterClrMapping/>
+  </p:clrMapOvr>
+</p:sld>
+</file>
+
 <file path=ppt/slides/slide4.xml><?xml version="1.0" encoding="utf-8"?>
 <p:sld xmlns:a="http://schemas.openxmlformats.org/drawingml/2006/main" xmlns:r="http://schemas.openxmlformats.org/officeDocument/2006/relationships" xmlns:p="http://schemas.openxmlformats.org/presentationml/2006/main">
   <p:cSld>
